--- a/Max-3SAT using QUBO/slide.pptx
+++ b/Max-3SAT using QUBO/slide.pptx
@@ -10448,7 +10448,7 @@
                 <a:ea typeface="Calibri" panose="020F0502020204030204" pitchFamily="34" charset="0"/>
                 <a:cs typeface="Calibri" panose="020F0502020204030204" pitchFamily="34" charset="0"/>
               </a:rPr>
-              <a:t> dei candidati accettati, che funziona bene per istanze QUBO di medie dimensioni.</a:t>
+              <a:t> dei candidati accettati, che funziona bene per istanze QUBO di medie/piccole dimensioni.</a:t>
             </a:r>
           </a:p>
           <a:p>
